--- a/JDBC/Introduction to JDBC.pptx
+++ b/JDBC/Introduction to JDBC.pptx
@@ -5,7 +5,7 @@
     <p:sldMasterId id="2147483655" r:id="rId1"/>
   </p:sldMasterIdLst>
   <p:notesMasterIdLst>
-    <p:notesMasterId r:id="rId63"/>
+    <p:notesMasterId r:id="rId64"/>
   </p:notesMasterIdLst>
   <p:sldIdLst>
     <p:sldId id="256" r:id="rId2"/>
@@ -56,19 +56,20 @@
     <p:sldId id="346" r:id="rId47"/>
     <p:sldId id="347" r:id="rId48"/>
     <p:sldId id="348" r:id="rId49"/>
-    <p:sldId id="351" r:id="rId50"/>
-    <p:sldId id="352" r:id="rId51"/>
-    <p:sldId id="353" r:id="rId52"/>
-    <p:sldId id="354" r:id="rId53"/>
-    <p:sldId id="355" r:id="rId54"/>
-    <p:sldId id="356" r:id="rId55"/>
+    <p:sldId id="349" r:id="rId50"/>
+    <p:sldId id="350" r:id="rId51"/>
+    <p:sldId id="351" r:id="rId52"/>
+    <p:sldId id="352" r:id="rId53"/>
+    <p:sldId id="353" r:id="rId54"/>
+    <p:sldId id="354" r:id="rId55"/>
     <p:sldId id="357" r:id="rId56"/>
     <p:sldId id="358" r:id="rId57"/>
     <p:sldId id="359" r:id="rId58"/>
     <p:sldId id="360" r:id="rId59"/>
-    <p:sldId id="362" r:id="rId60"/>
-    <p:sldId id="366" r:id="rId61"/>
-    <p:sldId id="367" r:id="rId62"/>
+    <p:sldId id="361" r:id="rId60"/>
+    <p:sldId id="363" r:id="rId61"/>
+    <p:sldId id="366" r:id="rId62"/>
+    <p:sldId id="367" r:id="rId63"/>
   </p:sldIdLst>
   <p:sldSz cx="9144000" cy="6858000" type="screen4x3"/>
   <p:notesSz cx="6858000" cy="9144000"/>
@@ -4362,7 +4363,7 @@
     </p:spTree>
     <p:extLst>
       <p:ext uri="{BB962C8B-B14F-4D97-AF65-F5344CB8AC3E}">
-        <p14:creationId xmlns:p14="http://schemas.microsoft.com/office/powerpoint/2010/main" xmlns="" val="546704290"/>
+        <p14:creationId xmlns:p14="http://schemas.microsoft.com/office/powerpoint/2010/main" xmlns="" val="1325197670"/>
       </p:ext>
     </p:extLst>
   </p:cSld>
@@ -4594,7 +4595,7 @@
     </p:spTree>
     <p:extLst>
       <p:ext uri="{BB962C8B-B14F-4D97-AF65-F5344CB8AC3E}">
-        <p14:creationId xmlns:p14="http://schemas.microsoft.com/office/powerpoint/2010/main" xmlns="" val="1818180953"/>
+        <p14:creationId xmlns:p14="http://schemas.microsoft.com/office/powerpoint/2010/main" xmlns="" val="3655314900"/>
       </p:ext>
     </p:extLst>
   </p:cSld>
@@ -4710,7 +4711,7 @@
     </p:spTree>
     <p:extLst>
       <p:ext uri="{BB962C8B-B14F-4D97-AF65-F5344CB8AC3E}">
-        <p14:creationId xmlns:p14="http://schemas.microsoft.com/office/powerpoint/2010/main" xmlns="" val="1801099457"/>
+        <p14:creationId xmlns:p14="http://schemas.microsoft.com/office/powerpoint/2010/main" xmlns="" val="546704290"/>
       </p:ext>
     </p:extLst>
   </p:cSld>
@@ -4826,7 +4827,7 @@
     </p:spTree>
     <p:extLst>
       <p:ext uri="{BB962C8B-B14F-4D97-AF65-F5344CB8AC3E}">
-        <p14:creationId xmlns:p14="http://schemas.microsoft.com/office/powerpoint/2010/main" xmlns="" val="3428842526"/>
+        <p14:creationId xmlns:p14="http://schemas.microsoft.com/office/powerpoint/2010/main" xmlns="" val="1818180953"/>
       </p:ext>
     </p:extLst>
   </p:cSld>
@@ -5406,7 +5407,7 @@
     </p:spTree>
     <p:extLst>
       <p:ext uri="{BB962C8B-B14F-4D97-AF65-F5344CB8AC3E}">
-        <p14:creationId xmlns:p14="http://schemas.microsoft.com/office/powerpoint/2010/main" xmlns="" val="1495920799"/>
+        <p14:creationId xmlns:p14="http://schemas.microsoft.com/office/powerpoint/2010/main" xmlns="" val="1884604032"/>
       </p:ext>
     </p:extLst>
   </p:cSld>
@@ -5421,7 +5422,7 @@
   <p:cSld>
     <p:spTree>
       <p:nvGrpSpPr>
-        <p:cNvPr id="1" name="Shape 509"/>
+        <p:cNvPr id="1" name="Shape 190"/>
         <p:cNvGrpSpPr/>
         <p:nvPr/>
       </p:nvGrpSpPr>
@@ -5435,7 +5436,7 @@
       </p:grpSpPr>
       <p:sp>
         <p:nvSpPr>
-          <p:cNvPr id="510" name="Shape 510"/>
+          <p:cNvPr id="191" name="Shape 191"/>
           <p:cNvSpPr>
             <a:spLocks noGrp="1" noRot="1" noChangeAspect="1"/>
           </p:cNvSpPr>
@@ -5486,7 +5487,7 @@
       </p:sp>
       <p:sp>
         <p:nvSpPr>
-          <p:cNvPr id="511" name="Shape 511"/>
+          <p:cNvPr id="192" name="Shape 192"/>
           <p:cNvSpPr txBox="1">
             <a:spLocks noGrp="1"/>
           </p:cNvSpPr>
@@ -5522,7 +5523,7 @@
     </p:spTree>
     <p:extLst>
       <p:ext uri="{BB962C8B-B14F-4D97-AF65-F5344CB8AC3E}">
-        <p14:creationId xmlns:p14="http://schemas.microsoft.com/office/powerpoint/2010/main" xmlns="" val="1652273429"/>
+        <p14:creationId xmlns:p14="http://schemas.microsoft.com/office/powerpoint/2010/main" xmlns="" val="2223709168"/>
       </p:ext>
     </p:extLst>
   </p:cSld>
@@ -5638,7 +5639,7 @@
     </p:spTree>
     <p:extLst>
       <p:ext uri="{BB962C8B-B14F-4D97-AF65-F5344CB8AC3E}">
-        <p14:creationId xmlns:p14="http://schemas.microsoft.com/office/powerpoint/2010/main" xmlns="" val="4143856067"/>
+        <p14:creationId xmlns:p14="http://schemas.microsoft.com/office/powerpoint/2010/main" xmlns="" val="1652273429"/>
       </p:ext>
     </p:extLst>
   </p:cSld>
@@ -5818,6 +5819,122 @@
     <p:extLst>
       <p:ext uri="{BB962C8B-B14F-4D97-AF65-F5344CB8AC3E}">
         <p14:creationId xmlns:p14="http://schemas.microsoft.com/office/powerpoint/2010/main" xmlns="" val="688919700"/>
+      </p:ext>
+    </p:extLst>
+  </p:cSld>
+  <p:clrMapOvr>
+    <a:masterClrMapping/>
+  </p:clrMapOvr>
+</p:notes>
+</file>
+
+<file path=ppt/notesSlides/notesSlide50.xml><?xml version="1.0" encoding="utf-8"?>
+<p:notes xmlns:a="http://schemas.openxmlformats.org/drawingml/2006/main" xmlns:r="http://schemas.openxmlformats.org/officeDocument/2006/relationships" xmlns:p="http://schemas.openxmlformats.org/presentationml/2006/main" showMasterSp="0" showMasterPhAnim="0">
+  <p:cSld>
+    <p:spTree>
+      <p:nvGrpSpPr>
+        <p:cNvPr id="1" name="Shape 509"/>
+        <p:cNvGrpSpPr/>
+        <p:nvPr/>
+      </p:nvGrpSpPr>
+      <p:grpSpPr>
+        <a:xfrm>
+          <a:off x="0" y="0"/>
+          <a:ext cx="0" cy="0"/>
+          <a:chOff x="0" y="0"/>
+          <a:chExt cx="0" cy="0"/>
+        </a:xfrm>
+      </p:grpSpPr>
+      <p:sp>
+        <p:nvSpPr>
+          <p:cNvPr id="510" name="Shape 510"/>
+          <p:cNvSpPr>
+            <a:spLocks noGrp="1" noRot="1" noChangeAspect="1"/>
+          </p:cNvSpPr>
+          <p:nvPr>
+            <p:ph type="sldImg" idx="2"/>
+          </p:nvPr>
+        </p:nvSpPr>
+        <p:spPr>
+          <a:xfrm>
+            <a:off x="1143000" y="685800"/>
+            <a:ext cx="4572000" cy="3429000"/>
+          </a:xfrm>
+          <a:custGeom>
+            <a:avLst/>
+            <a:gdLst/>
+            <a:ahLst/>
+            <a:cxnLst/>
+            <a:rect l="0" t="0" r="0" b="0"/>
+            <a:pathLst>
+              <a:path w="120000" h="120000" extrusionOk="0">
+                <a:moveTo>
+                  <a:pt x="0" y="0"/>
+                </a:moveTo>
+                <a:lnTo>
+                  <a:pt x="120000" y="0"/>
+                </a:lnTo>
+                <a:lnTo>
+                  <a:pt x="120000" y="120000"/>
+                </a:lnTo>
+                <a:lnTo>
+                  <a:pt x="0" y="120000"/>
+                </a:lnTo>
+                <a:close/>
+              </a:path>
+            </a:pathLst>
+          </a:custGeom>
+          <a:noFill/>
+          <a:ln w="9525" cap="flat">
+            <a:solidFill>
+              <a:srgbClr val="000000"/>
+            </a:solidFill>
+            <a:prstDash val="solid"/>
+            <a:round/>
+            <a:headEnd type="none" w="med" len="med"/>
+            <a:tailEnd type="none" w="med" len="med"/>
+          </a:ln>
+        </p:spPr>
+      </p:sp>
+      <p:sp>
+        <p:nvSpPr>
+          <p:cNvPr id="511" name="Shape 511"/>
+          <p:cNvSpPr txBox="1">
+            <a:spLocks noGrp="1"/>
+          </p:cNvSpPr>
+          <p:nvPr>
+            <p:ph type="body" idx="1"/>
+          </p:nvPr>
+        </p:nvSpPr>
+        <p:spPr>
+          <a:xfrm>
+            <a:off x="685800" y="4343400"/>
+            <a:ext cx="5486399" cy="4114800"/>
+          </a:xfrm>
+          <a:prstGeom prst="rect">
+            <a:avLst/>
+          </a:prstGeom>
+        </p:spPr>
+        <p:txBody>
+          <a:bodyPr lIns="91425" tIns="91425" rIns="91425" bIns="91425" anchor="t" anchorCtr="0">
+            <a:noAutofit/>
+          </a:bodyPr>
+          <a:lstStyle/>
+          <a:p>
+            <a:pPr>
+              <a:spcBef>
+                <a:spcPts val="0"/>
+              </a:spcBef>
+              <a:buNone/>
+            </a:pPr>
+            <a:endParaRPr dirty="0"/>
+          </a:p>
+        </p:txBody>
+      </p:sp>
+    </p:spTree>
+    <p:extLst>
+      <p:ext uri="{BB962C8B-B14F-4D97-AF65-F5344CB8AC3E}">
+        <p14:creationId xmlns:p14="http://schemas.microsoft.com/office/powerpoint/2010/main" xmlns="" val="4143856067"/>
       </p:ext>
     </p:extLst>
   </p:cSld>
@@ -9037,7 +9154,7 @@
               <a:pPr>
                 <a:defRPr/>
               </a:pPr>
-              <a:t>4/28/2015</a:t>
+              <a:t>4/29/2015</a:t>
             </a:fld>
             <a:endParaRPr lang="en-US" dirty="0"/>
           </a:p>
@@ -9632,52 +9749,13 @@
               </a:spcBef>
               <a:buNone/>
             </a:pPr>
-            <a:r>
-              <a:rPr lang="en-US" sz="1400" dirty="0" smtClean="0">
-                <a:solidFill>
-                  <a:schemeClr val="bg1">
-                    <a:lumMod val="95000"/>
-                  </a:schemeClr>
-                </a:solidFill>
-              </a:rPr>
-              <a:t>Mihai TUDORACHE</a:t>
-            </a:r>
-          </a:p>
-          <a:p>
-            <a:pPr algn="r" rtl="0">
-              <a:spcBef>
-                <a:spcPts val="0"/>
-              </a:spcBef>
-              <a:buNone/>
-            </a:pPr>
-            <a:r>
-              <a:rPr lang="en-US" sz="1400" dirty="0" smtClean="0">
-                <a:solidFill>
-                  <a:schemeClr val="bg1">
-                    <a:lumMod val="95000"/>
-                  </a:schemeClr>
-                </a:solidFill>
-              </a:rPr>
-              <a:t>Diana DIACONU</a:t>
-            </a:r>
-          </a:p>
-          <a:p>
-            <a:pPr algn="r" rtl="0">
-              <a:spcBef>
-                <a:spcPts val="0"/>
-              </a:spcBef>
-              <a:buNone/>
-            </a:pPr>
-            <a:r>
-              <a:rPr lang="en-US" sz="1400" dirty="0" smtClean="0">
-                <a:solidFill>
-                  <a:schemeClr val="bg1">
-                    <a:lumMod val="95000"/>
-                  </a:schemeClr>
-                </a:solidFill>
-              </a:rPr>
-              <a:t>Adrian DAFINOIU</a:t>
-            </a:r>
+            <a:endParaRPr lang="en" sz="1400" dirty="0">
+              <a:solidFill>
+                <a:schemeClr val="bg1">
+                  <a:lumMod val="95000"/>
+                </a:schemeClr>
+              </a:solidFill>
+            </a:endParaRPr>
           </a:p>
           <a:p>
             <a:pPr algn="r" rtl="0">
@@ -9693,6 +9771,24 @@
                 </a:schemeClr>
               </a:solidFill>
             </a:endParaRPr>
+          </a:p>
+          <a:p>
+            <a:pPr algn="r">
+              <a:spcBef>
+                <a:spcPts val="0"/>
+              </a:spcBef>
+              <a:buNone/>
+            </a:pPr>
+            <a:r>
+              <a:rPr lang="en" sz="1400" dirty="0">
+                <a:solidFill>
+                  <a:schemeClr val="bg1">
+                    <a:lumMod val="95000"/>
+                  </a:schemeClr>
+                </a:solidFill>
+              </a:rPr>
+              <a:t>@TEAMNET.RO  </a:t>
+            </a:r>
           </a:p>
         </p:txBody>
       </p:sp>
@@ -12019,12 +12115,51 @@
               <a:t> = new </a:t>
             </a:r>
             <a:r>
+              <a:rPr lang="en-US" sz="1800" dirty="0" err="1" smtClean="0">
+                <a:solidFill>
+                  <a:schemeClr val="tx2"/>
+                </a:solidFill>
+              </a:rPr>
+              <a:t>oracle.jdbc.driver.OracleDriver</a:t>
+            </a:r>
+            <a:r>
+              <a:rPr lang="en-US" sz="1800" dirty="0" smtClean="0">
+                <a:solidFill>
+                  <a:schemeClr val="tx2"/>
+                </a:solidFill>
+              </a:rPr>
+              <a:t>();</a:t>
+            </a:r>
+            <a:endParaRPr lang="en-US" sz="1800" dirty="0">
+              <a:solidFill>
+                <a:schemeClr val="tx2"/>
+              </a:solidFill>
+            </a:endParaRPr>
+          </a:p>
+          <a:p>
+            <a:pPr>
+              <a:spcBef>
+                <a:spcPts val="0"/>
+              </a:spcBef>
+              <a:buClr>
+                <a:schemeClr val="tx2"/>
+              </a:buClr>
+            </a:pPr>
+            <a:r>
+              <a:rPr lang="en-US" sz="1800" dirty="0">
+                <a:solidFill>
+                  <a:schemeClr val="tx2"/>
+                </a:solidFill>
+              </a:rPr>
+              <a:t>   </a:t>
+            </a:r>
+            <a:r>
               <a:rPr lang="en-US" sz="1800" dirty="0" err="1">
                 <a:solidFill>
                   <a:schemeClr val="tx2"/>
                 </a:solidFill>
               </a:rPr>
-              <a:t>oracle.jdbc.driver.OracleDriver</a:t>
+              <a:t>DriverManager.registerDriver</a:t>
             </a:r>
             <a:r>
               <a:rPr lang="en-US" sz="1800" dirty="0">
@@ -12032,58 +12167,37 @@
                   <a:schemeClr val="tx2"/>
                 </a:solidFill>
               </a:rPr>
-              <a:t>();</a:t>
-            </a:r>
-          </a:p>
-          <a:p>
-            <a:pPr>
-              <a:spcBef>
-                <a:spcPts val="0"/>
-              </a:spcBef>
-              <a:buClr>
-                <a:schemeClr val="tx2"/>
-              </a:buClr>
-            </a:pPr>
+              <a:t>( </a:t>
+            </a:r>
+            <a:r>
+              <a:rPr lang="en-US" sz="1800" dirty="0" err="1">
+                <a:solidFill>
+                  <a:schemeClr val="tx2"/>
+                </a:solidFill>
+              </a:rPr>
+              <a:t>myDriver</a:t>
+            </a:r>
             <a:r>
               <a:rPr lang="en-US" sz="1800" dirty="0">
                 <a:solidFill>
                   <a:schemeClr val="tx2"/>
                 </a:solidFill>
               </a:rPr>
-              <a:t>   </a:t>
-            </a:r>
-            <a:r>
-              <a:rPr lang="en-US" sz="1800" dirty="0" err="1">
-                <a:solidFill>
-                  <a:schemeClr val="tx2"/>
-                </a:solidFill>
-              </a:rPr>
-              <a:t>DriverManager.registerDriver</a:t>
-            </a:r>
-            <a:r>
-              <a:rPr lang="en-US" sz="1800" dirty="0">
-                <a:solidFill>
-                  <a:schemeClr val="tx2"/>
-                </a:solidFill>
-              </a:rPr>
-              <a:t>( </a:t>
-            </a:r>
-            <a:r>
-              <a:rPr lang="en-US" sz="1800" dirty="0" err="1">
-                <a:solidFill>
-                  <a:schemeClr val="tx2"/>
-                </a:solidFill>
-              </a:rPr>
-              <a:t>myDriver</a:t>
-            </a:r>
-            <a:r>
-              <a:rPr lang="en-US" sz="1800" dirty="0">
-                <a:solidFill>
-                  <a:schemeClr val="tx2"/>
-                </a:solidFill>
-              </a:rPr>
-              <a:t> );</a:t>
-            </a:r>
+              <a:t> </a:t>
+            </a:r>
+            <a:r>
+              <a:rPr lang="en-US" sz="1800" dirty="0" smtClean="0">
+                <a:solidFill>
+                  <a:schemeClr val="tx2"/>
+                </a:solidFill>
+              </a:rPr>
+              <a:t>);</a:t>
+            </a:r>
+            <a:endParaRPr lang="en-US" sz="1800" dirty="0">
+              <a:solidFill>
+                <a:schemeClr val="tx2"/>
+              </a:solidFill>
+            </a:endParaRPr>
           </a:p>
           <a:p>
             <a:pPr>
@@ -17099,18 +17213,13 @@
               </a:spcBef>
             </a:pPr>
             <a:r>
-              <a:rPr lang="en-US" sz="1800" b="1" smtClean="0">
+              <a:rPr lang="en-US" sz="1800" b="1" dirty="0" smtClean="0">
                 <a:solidFill>
                   <a:srgbClr val="FF0000"/>
                 </a:solidFill>
               </a:rPr>
               <a:t>}</a:t>
             </a:r>
-            <a:endParaRPr lang="en-US" sz="1800" b="1" dirty="0" smtClean="0">
-              <a:solidFill>
-                <a:srgbClr val="FF0000"/>
-              </a:solidFill>
-            </a:endParaRPr>
           </a:p>
         </p:txBody>
       </p:sp>
@@ -21914,7 +22023,7 @@
   <p:cSld>
     <p:spTree>
       <p:nvGrpSpPr>
-        <p:cNvPr id="1" name=""/>
+        <p:cNvPr id="1" name="Shape 187"/>
         <p:cNvGrpSpPr/>
         <p:nvPr/>
       </p:nvGrpSpPr>
@@ -21928,62 +22037,241 @@
       </p:grpSpPr>
       <p:sp>
         <p:nvSpPr>
-          <p:cNvPr id="4" name="Title 3"/>
-          <p:cNvSpPr>
+          <p:cNvPr id="188" name="Shape 188"/>
+          <p:cNvSpPr txBox="1">
             <a:spLocks noGrp="1"/>
           </p:cNvSpPr>
           <p:nvPr>
             <p:ph type="title"/>
           </p:nvPr>
         </p:nvSpPr>
-        <p:spPr/>
+        <p:spPr>
+          <a:xfrm>
+            <a:off x="1060349" y="766826"/>
+            <a:ext cx="3048944" cy="593092"/>
+          </a:xfrm>
+          <a:prstGeom prst="rect">
+            <a:avLst/>
+          </a:prstGeom>
+        </p:spPr>
         <p:txBody>
-          <a:bodyPr>
-            <a:normAutofit/>
+          <a:bodyPr lIns="91425" tIns="91425" rIns="91425" bIns="91425" anchor="b" anchorCtr="0">
+            <a:noAutofit/>
           </a:bodyPr>
           <a:lstStyle/>
           <a:p>
-            <a:r>
-              <a:rPr lang="en-US" sz="2800" dirty="0" smtClean="0"/>
-              <a:t>Exceptions Handling</a:t>
-            </a:r>
-            <a:endParaRPr lang="en-US" sz="2800" dirty="0"/>
+            <a:pPr>
+              <a:spcBef>
+                <a:spcPts val="0"/>
+              </a:spcBef>
+              <a:buNone/>
+            </a:pPr>
+            <a:r>
+              <a:rPr lang="en" sz="2300" dirty="0" smtClean="0"/>
+              <a:t>Using savepoints(1)</a:t>
+            </a:r>
+            <a:endParaRPr lang="en" sz="2300" dirty="0"/>
           </a:p>
         </p:txBody>
       </p:sp>
       <p:sp>
         <p:nvSpPr>
-          <p:cNvPr id="5" name="Text Placeholder 4"/>
-          <p:cNvSpPr>
+          <p:cNvPr id="189" name="Shape 189"/>
+          <p:cNvSpPr txBox="1">
             <a:spLocks noGrp="1"/>
           </p:cNvSpPr>
           <p:nvPr>
-            <p:ph type="body" idx="1"/>
+            <p:ph idx="1"/>
           </p:nvPr>
         </p:nvSpPr>
-        <p:spPr/>
+        <p:spPr>
+          <a:prstGeom prst="rect">
+            <a:avLst/>
+          </a:prstGeom>
+        </p:spPr>
         <p:txBody>
-          <a:bodyPr/>
+          <a:bodyPr lIns="91425" tIns="91425" rIns="91425" bIns="91425" anchor="t" anchorCtr="0">
+            <a:noAutofit/>
+          </a:bodyPr>
           <a:lstStyle/>
           <a:p>
-            <a:r>
-              <a:rPr lang="en-US" dirty="0" smtClean="0"/>
-              <a:t>11</a:t>
-            </a:r>
-            <a:endParaRPr lang="en-US" dirty="0"/>
+            <a:pPr>
+              <a:spcBef>
+                <a:spcPts val="0"/>
+              </a:spcBef>
+              <a:buClr>
+                <a:schemeClr val="tx2"/>
+              </a:buClr>
+            </a:pPr>
+            <a:endParaRPr lang="en-US" sz="1800" dirty="0" smtClean="0"/>
+          </a:p>
+          <a:p>
+            <a:pPr>
+              <a:spcBef>
+                <a:spcPts val="0"/>
+              </a:spcBef>
+              <a:buClr>
+                <a:schemeClr val="tx2"/>
+              </a:buClr>
+            </a:pPr>
+            <a:endParaRPr lang="en-US" sz="1800" dirty="0"/>
+          </a:p>
+          <a:p>
+            <a:pPr>
+              <a:spcBef>
+                <a:spcPts val="0"/>
+              </a:spcBef>
+              <a:buClr>
+                <a:schemeClr val="tx2"/>
+              </a:buClr>
+            </a:pPr>
+            <a:endParaRPr lang="en-US" sz="1800" dirty="0"/>
+          </a:p>
+          <a:p>
+            <a:pPr>
+              <a:spcBef>
+                <a:spcPts val="0"/>
+              </a:spcBef>
+              <a:buClr>
+                <a:schemeClr val="tx2"/>
+              </a:buClr>
+            </a:pPr>
+            <a:r>
+              <a:rPr lang="en-US" sz="1800" dirty="0" smtClean="0"/>
+              <a:t>Most </a:t>
+            </a:r>
+            <a:r>
+              <a:rPr lang="en-US" sz="1800" dirty="0"/>
+              <a:t>modern DBMS support </a:t>
+            </a:r>
+            <a:r>
+              <a:rPr lang="en-US" sz="1800" dirty="0" err="1"/>
+              <a:t>savepoints</a:t>
+            </a:r>
+            <a:r>
+              <a:rPr lang="en-US" sz="1800" dirty="0"/>
+              <a:t> within their environments such as Oracle's PL/SQL</a:t>
+            </a:r>
+            <a:r>
+              <a:rPr lang="en-US" sz="1800" dirty="0" smtClean="0"/>
+              <a:t>.</a:t>
+            </a:r>
+          </a:p>
+          <a:p>
+            <a:pPr>
+              <a:spcBef>
+                <a:spcPts val="0"/>
+              </a:spcBef>
+              <a:buClr>
+                <a:schemeClr val="tx2"/>
+              </a:buClr>
+            </a:pPr>
+            <a:endParaRPr lang="en-US" sz="1800" dirty="0"/>
+          </a:p>
+          <a:p>
+            <a:pPr>
+              <a:spcBef>
+                <a:spcPts val="0"/>
+              </a:spcBef>
+              <a:buClr>
+                <a:schemeClr val="tx2"/>
+              </a:buClr>
+            </a:pPr>
+            <a:r>
+              <a:rPr lang="en-US" sz="1800" dirty="0"/>
+              <a:t>When you set a </a:t>
+            </a:r>
+            <a:r>
+              <a:rPr lang="en-US" sz="1800" dirty="0" err="1"/>
+              <a:t>savepoint</a:t>
+            </a:r>
+            <a:r>
+              <a:rPr lang="en-US" sz="1800" dirty="0"/>
+              <a:t> you define a logical rollback point within a transaction</a:t>
+            </a:r>
+            <a:r>
+              <a:rPr lang="en-US" sz="1800" dirty="0" smtClean="0"/>
+              <a:t>.</a:t>
+            </a:r>
+          </a:p>
+          <a:p>
+            <a:pPr>
+              <a:spcBef>
+                <a:spcPts val="0"/>
+              </a:spcBef>
+              <a:buClr>
+                <a:schemeClr val="tx2"/>
+              </a:buClr>
+            </a:pPr>
+            <a:endParaRPr lang="en-US" sz="1800" dirty="0"/>
+          </a:p>
+          <a:p>
+            <a:pPr>
+              <a:spcBef>
+                <a:spcPts val="0"/>
+              </a:spcBef>
+              <a:buClr>
+                <a:schemeClr val="tx2"/>
+              </a:buClr>
+            </a:pPr>
+            <a:r>
+              <a:rPr lang="en-US" sz="1800" dirty="0"/>
+              <a:t>If an error occurs past a </a:t>
+            </a:r>
+            <a:r>
+              <a:rPr lang="en-US" sz="1800" dirty="0" err="1"/>
+              <a:t>savepoint</a:t>
+            </a:r>
+            <a:r>
+              <a:rPr lang="en-US" sz="1800" dirty="0"/>
+              <a:t>, you can use the rollback method to undo either all the changes or only the changes made after the </a:t>
+            </a:r>
+            <a:r>
+              <a:rPr lang="en-US" sz="1800" dirty="0" err="1"/>
+              <a:t>savepoint</a:t>
+            </a:r>
+            <a:r>
+              <a:rPr lang="en-US" sz="1800" dirty="0"/>
+              <a:t>.</a:t>
+            </a:r>
+          </a:p>
+          <a:p>
+            <a:pPr>
+              <a:spcBef>
+                <a:spcPts val="0"/>
+              </a:spcBef>
+              <a:buClr>
+                <a:schemeClr val="tx2"/>
+              </a:buClr>
+            </a:pPr>
+            <a:endParaRPr lang="en-US" sz="1800" dirty="0"/>
+          </a:p>
+          <a:p>
+            <a:pPr>
+              <a:spcBef>
+                <a:spcPts val="0"/>
+              </a:spcBef>
+              <a:buClr>
+                <a:schemeClr val="tx2"/>
+              </a:buClr>
+            </a:pPr>
+            <a:endParaRPr lang="en-US" sz="1800" dirty="0" smtClean="0"/>
           </a:p>
         </p:txBody>
       </p:sp>
     </p:spTree>
     <p:extLst>
       <p:ext uri="{BB962C8B-B14F-4D97-AF65-F5344CB8AC3E}">
-        <p14:creationId xmlns:p14="http://schemas.microsoft.com/office/powerpoint/2010/main" xmlns="" val="50362597"/>
+        <p14:creationId xmlns:p14="http://schemas.microsoft.com/office/powerpoint/2010/main" xmlns="" val="300021450"/>
       </p:ext>
     </p:extLst>
   </p:cSld>
   <p:clrMapOvr>
     <a:masterClrMapping/>
   </p:clrMapOvr>
+  <p:transition spd="slow">
+    <p:cut/>
+  </p:transition>
   <p:timing>
     <p:tnLst>
       <p:par>
@@ -22269,6 +22557,461 @@
         <p:spPr>
           <a:xfrm>
             <a:off x="1060349" y="766826"/>
+            <a:ext cx="3026910" cy="593092"/>
+          </a:xfrm>
+          <a:prstGeom prst="rect">
+            <a:avLst/>
+          </a:prstGeom>
+        </p:spPr>
+        <p:txBody>
+          <a:bodyPr lIns="91425" tIns="91425" rIns="91425" bIns="91425" anchor="b" anchorCtr="0">
+            <a:noAutofit/>
+          </a:bodyPr>
+          <a:lstStyle/>
+          <a:p>
+            <a:pPr>
+              <a:spcBef>
+                <a:spcPts val="0"/>
+              </a:spcBef>
+              <a:buNone/>
+            </a:pPr>
+            <a:r>
+              <a:rPr lang="en" sz="2300" dirty="0" smtClean="0"/>
+              <a:t>Using savepoints(2)</a:t>
+            </a:r>
+            <a:endParaRPr lang="en" sz="2300" dirty="0"/>
+          </a:p>
+        </p:txBody>
+      </p:sp>
+      <p:sp>
+        <p:nvSpPr>
+          <p:cNvPr id="189" name="Shape 189"/>
+          <p:cNvSpPr txBox="1">
+            <a:spLocks noGrp="1"/>
+          </p:cNvSpPr>
+          <p:nvPr>
+            <p:ph idx="1"/>
+          </p:nvPr>
+        </p:nvSpPr>
+        <p:spPr>
+          <a:prstGeom prst="rect">
+            <a:avLst/>
+          </a:prstGeom>
+        </p:spPr>
+        <p:txBody>
+          <a:bodyPr lIns="91425" tIns="91425" rIns="91425" bIns="91425" anchor="t" anchorCtr="0">
+            <a:noAutofit/>
+          </a:bodyPr>
+          <a:lstStyle/>
+          <a:p>
+            <a:pPr>
+              <a:spcBef>
+                <a:spcPts val="0"/>
+              </a:spcBef>
+              <a:buClr>
+                <a:schemeClr val="tx2"/>
+              </a:buClr>
+            </a:pPr>
+            <a:endParaRPr lang="en-US" sz="1800" dirty="0" smtClean="0"/>
+          </a:p>
+          <a:p>
+            <a:pPr>
+              <a:spcBef>
+                <a:spcPts val="0"/>
+              </a:spcBef>
+              <a:buClr>
+                <a:schemeClr val="tx2"/>
+              </a:buClr>
+            </a:pPr>
+            <a:endParaRPr lang="en-US" sz="1800" dirty="0" smtClean="0"/>
+          </a:p>
+          <a:p>
+            <a:pPr>
+              <a:spcBef>
+                <a:spcPts val="0"/>
+              </a:spcBef>
+              <a:buClr>
+                <a:schemeClr val="tx2"/>
+              </a:buClr>
+            </a:pPr>
+            <a:r>
+              <a:rPr lang="en-US" sz="1800" dirty="0" smtClean="0"/>
+              <a:t>The </a:t>
+            </a:r>
+            <a:r>
+              <a:rPr lang="en-US" sz="1800" dirty="0"/>
+              <a:t>Connection object has two new methods that help you manage </a:t>
+            </a:r>
+            <a:r>
+              <a:rPr lang="en-US" sz="1800" dirty="0" err="1"/>
+              <a:t>savepoints</a:t>
+            </a:r>
+            <a:r>
+              <a:rPr lang="en-US" sz="1800" dirty="0" smtClean="0"/>
+              <a:t>:</a:t>
+            </a:r>
+          </a:p>
+          <a:p>
+            <a:pPr>
+              <a:spcBef>
+                <a:spcPts val="0"/>
+              </a:spcBef>
+              <a:buClr>
+                <a:schemeClr val="tx2"/>
+              </a:buClr>
+            </a:pPr>
+            <a:endParaRPr lang="en-US" sz="1800" dirty="0"/>
+          </a:p>
+          <a:p>
+            <a:pPr marL="285750" indent="-285750">
+              <a:spcBef>
+                <a:spcPts val="0"/>
+              </a:spcBef>
+              <a:buClr>
+                <a:schemeClr val="tx2"/>
+              </a:buClr>
+              <a:buFont typeface="Wingdings" panose="05000000000000000000" pitchFamily="2" charset="2"/>
+              <a:buChar char="q"/>
+            </a:pPr>
+            <a:r>
+              <a:rPr lang="en-US" sz="1800" b="1" dirty="0" err="1">
+                <a:solidFill>
+                  <a:schemeClr val="tx2"/>
+                </a:solidFill>
+              </a:rPr>
+              <a:t>setSavepoint</a:t>
+            </a:r>
+            <a:r>
+              <a:rPr lang="en-US" sz="1800" b="1" dirty="0">
+                <a:solidFill>
+                  <a:schemeClr val="tx2"/>
+                </a:solidFill>
+              </a:rPr>
+              <a:t>(String </a:t>
+            </a:r>
+            <a:r>
+              <a:rPr lang="en-US" sz="1800" b="1" dirty="0" err="1">
+                <a:solidFill>
+                  <a:schemeClr val="tx2"/>
+                </a:solidFill>
+              </a:rPr>
+              <a:t>savepointName</a:t>
+            </a:r>
+            <a:r>
+              <a:rPr lang="en-US" sz="1800" b="1" dirty="0" smtClean="0">
+                <a:solidFill>
+                  <a:schemeClr val="tx2"/>
+                </a:solidFill>
+              </a:rPr>
+              <a:t>)</a:t>
+            </a:r>
+          </a:p>
+          <a:p>
+            <a:pPr>
+              <a:spcBef>
+                <a:spcPts val="0"/>
+              </a:spcBef>
+              <a:buClr>
+                <a:schemeClr val="tx2"/>
+              </a:buClr>
+            </a:pPr>
+            <a:endParaRPr lang="en-US" sz="1800" dirty="0">
+              <a:solidFill>
+                <a:schemeClr val="tx2"/>
+              </a:solidFill>
+            </a:endParaRPr>
+          </a:p>
+          <a:p>
+            <a:pPr marL="285750" indent="-285750">
+              <a:spcBef>
+                <a:spcPts val="0"/>
+              </a:spcBef>
+              <a:buClr>
+                <a:schemeClr val="tx2"/>
+              </a:buClr>
+              <a:buFont typeface="Wingdings" panose="05000000000000000000" pitchFamily="2" charset="2"/>
+              <a:buChar char="q"/>
+            </a:pPr>
+            <a:r>
+              <a:rPr lang="en-US" sz="1800" b="1" dirty="0" err="1">
+                <a:solidFill>
+                  <a:schemeClr val="tx2"/>
+                </a:solidFill>
+              </a:rPr>
+              <a:t>releaseSavepoint</a:t>
+            </a:r>
+            <a:r>
+              <a:rPr lang="en-US" sz="1800" b="1" dirty="0">
+                <a:solidFill>
+                  <a:schemeClr val="tx2"/>
+                </a:solidFill>
+              </a:rPr>
+              <a:t>(</a:t>
+            </a:r>
+            <a:r>
+              <a:rPr lang="en-US" sz="1800" b="1" dirty="0" err="1">
+                <a:solidFill>
+                  <a:schemeClr val="tx2"/>
+                </a:solidFill>
+              </a:rPr>
+              <a:t>Savepoint</a:t>
+            </a:r>
+            <a:r>
+              <a:rPr lang="en-US" sz="1800" b="1" dirty="0">
+                <a:solidFill>
+                  <a:schemeClr val="tx2"/>
+                </a:solidFill>
+              </a:rPr>
+              <a:t> </a:t>
+            </a:r>
+            <a:r>
+              <a:rPr lang="en-US" sz="1800" b="1" dirty="0" err="1">
+                <a:solidFill>
+                  <a:schemeClr val="tx2"/>
+                </a:solidFill>
+              </a:rPr>
+              <a:t>savepointName</a:t>
+            </a:r>
+            <a:r>
+              <a:rPr lang="en-US" sz="1800" b="1" dirty="0" smtClean="0">
+                <a:solidFill>
+                  <a:schemeClr val="tx2"/>
+                </a:solidFill>
+              </a:rPr>
+              <a:t>)</a:t>
+            </a:r>
+          </a:p>
+          <a:p>
+            <a:pPr>
+              <a:spcBef>
+                <a:spcPts val="0"/>
+              </a:spcBef>
+              <a:buClr>
+                <a:schemeClr val="tx2"/>
+              </a:buClr>
+            </a:pPr>
+            <a:endParaRPr lang="en-US" sz="1800" dirty="0" smtClean="0"/>
+          </a:p>
+          <a:p>
+            <a:pPr>
+              <a:spcBef>
+                <a:spcPts val="0"/>
+              </a:spcBef>
+              <a:buClr>
+                <a:schemeClr val="tx2"/>
+              </a:buClr>
+            </a:pPr>
+            <a:endParaRPr lang="en-US" sz="1800" dirty="0"/>
+          </a:p>
+          <a:p>
+            <a:pPr>
+              <a:spcBef>
+                <a:spcPts val="0"/>
+              </a:spcBef>
+              <a:buClr>
+                <a:schemeClr val="tx2"/>
+              </a:buClr>
+            </a:pPr>
+            <a:r>
+              <a:rPr lang="en-US" sz="1800" dirty="0"/>
+              <a:t>There is one </a:t>
+            </a:r>
+            <a:r>
+              <a:rPr lang="en-US" sz="1800" b="1" dirty="0">
+                <a:solidFill>
+                  <a:schemeClr val="tx2"/>
+                </a:solidFill>
+              </a:rPr>
+              <a:t>rollback ( String </a:t>
+            </a:r>
+            <a:r>
+              <a:rPr lang="en-US" sz="1800" b="1" dirty="0" err="1">
+                <a:solidFill>
+                  <a:schemeClr val="tx2"/>
+                </a:solidFill>
+              </a:rPr>
+              <a:t>savepointName</a:t>
+            </a:r>
+            <a:r>
+              <a:rPr lang="en-US" sz="1800" b="1" dirty="0">
+                <a:solidFill>
+                  <a:schemeClr val="tx2"/>
+                </a:solidFill>
+              </a:rPr>
+              <a:t> )</a:t>
+            </a:r>
+            <a:r>
+              <a:rPr lang="en-US" sz="1800" dirty="0">
+                <a:solidFill>
+                  <a:schemeClr val="tx2"/>
+                </a:solidFill>
+              </a:rPr>
+              <a:t> </a:t>
+            </a:r>
+            <a:r>
+              <a:rPr lang="en-US" sz="1800" dirty="0"/>
+              <a:t>method which rolls back work to the specified </a:t>
+            </a:r>
+            <a:r>
+              <a:rPr lang="en-US" sz="1800" dirty="0" err="1"/>
+              <a:t>savepoint</a:t>
+            </a:r>
+            <a:r>
+              <a:rPr lang="en-US" sz="1800" dirty="0"/>
+              <a:t>.</a:t>
+            </a:r>
+          </a:p>
+          <a:p>
+            <a:pPr>
+              <a:spcBef>
+                <a:spcPts val="0"/>
+              </a:spcBef>
+              <a:buClr>
+                <a:schemeClr val="tx2"/>
+              </a:buClr>
+            </a:pPr>
+            <a:endParaRPr lang="en-US" sz="1800" dirty="0" smtClean="0"/>
+          </a:p>
+        </p:txBody>
+      </p:sp>
+    </p:spTree>
+    <p:extLst>
+      <p:ext uri="{BB962C8B-B14F-4D97-AF65-F5344CB8AC3E}">
+        <p14:creationId xmlns:p14="http://schemas.microsoft.com/office/powerpoint/2010/main" xmlns="" val="646024087"/>
+      </p:ext>
+    </p:extLst>
+  </p:cSld>
+  <p:clrMapOvr>
+    <a:masterClrMapping/>
+  </p:clrMapOvr>
+  <p:transition spd="slow">
+    <p:cut/>
+  </p:transition>
+  <p:timing>
+    <p:tnLst>
+      <p:par>
+        <p:cTn id="1" dur="indefinite" restart="never" nodeType="tmRoot"/>
+      </p:par>
+    </p:tnLst>
+  </p:timing>
+</p:sld>
+</file>
+
+<file path=ppt/slides/slide51.xml><?xml version="1.0" encoding="utf-8"?>
+<p:sld xmlns:a="http://schemas.openxmlformats.org/drawingml/2006/main" xmlns:r="http://schemas.openxmlformats.org/officeDocument/2006/relationships" xmlns:p="http://schemas.openxmlformats.org/presentationml/2006/main">
+  <p:cSld>
+    <p:spTree>
+      <p:nvGrpSpPr>
+        <p:cNvPr id="1" name=""/>
+        <p:cNvGrpSpPr/>
+        <p:nvPr/>
+      </p:nvGrpSpPr>
+      <p:grpSpPr>
+        <a:xfrm>
+          <a:off x="0" y="0"/>
+          <a:ext cx="0" cy="0"/>
+          <a:chOff x="0" y="0"/>
+          <a:chExt cx="0" cy="0"/>
+        </a:xfrm>
+      </p:grpSpPr>
+      <p:sp>
+        <p:nvSpPr>
+          <p:cNvPr id="4" name="Title 3"/>
+          <p:cNvSpPr>
+            <a:spLocks noGrp="1"/>
+          </p:cNvSpPr>
+          <p:nvPr>
+            <p:ph type="title"/>
+          </p:nvPr>
+        </p:nvSpPr>
+        <p:spPr/>
+        <p:txBody>
+          <a:bodyPr>
+            <a:normAutofit/>
+          </a:bodyPr>
+          <a:lstStyle/>
+          <a:p>
+            <a:r>
+              <a:rPr lang="en-US" sz="2800" dirty="0" smtClean="0"/>
+              <a:t>Exceptions Handling</a:t>
+            </a:r>
+            <a:endParaRPr lang="en-US" sz="2800" dirty="0"/>
+          </a:p>
+        </p:txBody>
+      </p:sp>
+      <p:sp>
+        <p:nvSpPr>
+          <p:cNvPr id="5" name="Text Placeholder 4"/>
+          <p:cNvSpPr>
+            <a:spLocks noGrp="1"/>
+          </p:cNvSpPr>
+          <p:nvPr>
+            <p:ph type="body" idx="1"/>
+          </p:nvPr>
+        </p:nvSpPr>
+        <p:spPr/>
+        <p:txBody>
+          <a:bodyPr/>
+          <a:lstStyle/>
+          <a:p>
+            <a:r>
+              <a:rPr lang="en-US" dirty="0" smtClean="0"/>
+              <a:t>11</a:t>
+            </a:r>
+            <a:endParaRPr lang="en-US" dirty="0"/>
+          </a:p>
+        </p:txBody>
+      </p:sp>
+    </p:spTree>
+    <p:extLst>
+      <p:ext uri="{BB962C8B-B14F-4D97-AF65-F5344CB8AC3E}">
+        <p14:creationId xmlns:p14="http://schemas.microsoft.com/office/powerpoint/2010/main" xmlns="" val="50362597"/>
+      </p:ext>
+    </p:extLst>
+  </p:cSld>
+  <p:clrMapOvr>
+    <a:masterClrMapping/>
+  </p:clrMapOvr>
+  <p:timing>
+    <p:tnLst>
+      <p:par>
+        <p:cTn id="1" dur="indefinite" restart="never" nodeType="tmRoot"/>
+      </p:par>
+    </p:tnLst>
+  </p:timing>
+</p:sld>
+</file>
+
+<file path=ppt/slides/slide52.xml><?xml version="1.0" encoding="utf-8"?>
+<p:sld xmlns:a="http://schemas.openxmlformats.org/drawingml/2006/main" xmlns:r="http://schemas.openxmlformats.org/officeDocument/2006/relationships" xmlns:p="http://schemas.openxmlformats.org/presentationml/2006/main">
+  <p:cSld>
+    <p:spTree>
+      <p:nvGrpSpPr>
+        <p:cNvPr id="1" name="Shape 187"/>
+        <p:cNvGrpSpPr/>
+        <p:nvPr/>
+      </p:nvGrpSpPr>
+      <p:grpSpPr>
+        <a:xfrm>
+          <a:off x="0" y="0"/>
+          <a:ext cx="0" cy="0"/>
+          <a:chOff x="0" y="0"/>
+          <a:chExt cx="0" cy="0"/>
+        </a:xfrm>
+      </p:grpSpPr>
+      <p:sp>
+        <p:nvSpPr>
+          <p:cNvPr id="188" name="Shape 188"/>
+          <p:cNvSpPr txBox="1">
+            <a:spLocks noGrp="1"/>
+          </p:cNvSpPr>
+          <p:nvPr>
+            <p:ph type="title"/>
+          </p:nvPr>
+        </p:nvSpPr>
+        <p:spPr>
+          <a:xfrm>
+            <a:off x="1060349" y="766826"/>
             <a:ext cx="1759969" cy="593092"/>
           </a:xfrm>
           <a:prstGeom prst="rect">
@@ -22489,7 +23232,7 @@
 </p:sld>
 </file>
 
-<file path=ppt/slides/slide51.xml><?xml version="1.0" encoding="utf-8"?>
+<file path=ppt/slides/slide53.xml><?xml version="1.0" encoding="utf-8"?>
 <p:sld xmlns:a="http://schemas.openxmlformats.org/drawingml/2006/main" xmlns:r="http://schemas.openxmlformats.org/officeDocument/2006/relationships" xmlns:p="http://schemas.openxmlformats.org/presentationml/2006/main">
   <p:cSld>
     <p:spTree>
@@ -22902,7 +23645,7 @@
 </p:sld>
 </file>
 
-<file path=ppt/slides/slide52.xml><?xml version="1.0" encoding="utf-8"?>
+<file path=ppt/slides/slide54.xml><?xml version="1.0" encoding="utf-8"?>
 <p:sld xmlns:a="http://schemas.openxmlformats.org/drawingml/2006/main" xmlns:r="http://schemas.openxmlformats.org/officeDocument/2006/relationships" xmlns:p="http://schemas.openxmlformats.org/presentationml/2006/main">
   <p:cSld>
     <p:spTree>
@@ -22977,363 +23720,6 @@
   <p:clrMapOvr>
     <a:masterClrMapping/>
   </p:clrMapOvr>
-  <p:timing>
-    <p:tnLst>
-      <p:par>
-        <p:cTn id="1" dur="indefinite" restart="never" nodeType="tmRoot"/>
-      </p:par>
-    </p:tnLst>
-  </p:timing>
-</p:sld>
-</file>
-
-<file path=ppt/slides/slide53.xml><?xml version="1.0" encoding="utf-8"?>
-<p:sld xmlns:a="http://schemas.openxmlformats.org/drawingml/2006/main" xmlns:r="http://schemas.openxmlformats.org/officeDocument/2006/relationships" xmlns:p="http://schemas.openxmlformats.org/presentationml/2006/main">
-  <p:cSld>
-    <p:spTree>
-      <p:nvGrpSpPr>
-        <p:cNvPr id="1" name="Shape 187"/>
-        <p:cNvGrpSpPr/>
-        <p:nvPr/>
-      </p:nvGrpSpPr>
-      <p:grpSpPr>
-        <a:xfrm>
-          <a:off x="0" y="0"/>
-          <a:ext cx="0" cy="0"/>
-          <a:chOff x="0" y="0"/>
-          <a:chExt cx="0" cy="0"/>
-        </a:xfrm>
-      </p:grpSpPr>
-      <p:sp>
-        <p:nvSpPr>
-          <p:cNvPr id="188" name="Shape 188"/>
-          <p:cNvSpPr txBox="1">
-            <a:spLocks noGrp="1"/>
-          </p:cNvSpPr>
-          <p:nvPr>
-            <p:ph type="title"/>
-          </p:nvPr>
-        </p:nvSpPr>
-        <p:spPr>
-          <a:xfrm>
-            <a:off x="1060349" y="766826"/>
-            <a:ext cx="2484527" cy="593092"/>
-          </a:xfrm>
-          <a:prstGeom prst="rect">
-            <a:avLst/>
-          </a:prstGeom>
-        </p:spPr>
-        <p:txBody>
-          <a:bodyPr lIns="91425" tIns="91425" rIns="91425" bIns="91425" anchor="b" anchorCtr="0">
-            <a:noAutofit/>
-          </a:bodyPr>
-          <a:lstStyle/>
-          <a:p>
-            <a:pPr>
-              <a:spcBef>
-                <a:spcPts val="0"/>
-              </a:spcBef>
-              <a:buNone/>
-            </a:pPr>
-            <a:r>
-              <a:rPr lang="en" sz="2300" dirty="0" smtClean="0"/>
-              <a:t>Best Practice #1</a:t>
-            </a:r>
-            <a:endParaRPr lang="en" sz="2300" dirty="0"/>
-          </a:p>
-        </p:txBody>
-      </p:sp>
-      <p:sp>
-        <p:nvSpPr>
-          <p:cNvPr id="4" name="TextBox 3"/>
-          <p:cNvSpPr txBox="1"/>
-          <p:nvPr/>
-        </p:nvSpPr>
-        <p:spPr>
-          <a:xfrm>
-            <a:off x="3360145" y="3283027"/>
-            <a:ext cx="184731" cy="307777"/>
-          </a:xfrm>
-          <a:prstGeom prst="rect">
-            <a:avLst/>
-          </a:prstGeom>
-          <a:noFill/>
-        </p:spPr>
-        <p:txBody>
-          <a:bodyPr wrap="none" rtlCol="0">
-            <a:spAutoFit/>
-          </a:bodyPr>
-          <a:lstStyle/>
-          <a:p>
-            <a:endParaRPr lang="en-US"/>
-          </a:p>
-        </p:txBody>
-      </p:sp>
-      <p:sp>
-        <p:nvSpPr>
-          <p:cNvPr id="8" name="Content Placeholder 7"/>
-          <p:cNvSpPr>
-            <a:spLocks noGrp="1"/>
-          </p:cNvSpPr>
-          <p:nvPr>
-            <p:ph idx="1"/>
-          </p:nvPr>
-        </p:nvSpPr>
-        <p:spPr>
-          <a:xfrm>
-            <a:off x="1621794" y="2214390"/>
-            <a:ext cx="5660356" cy="3117512"/>
-          </a:xfrm>
-          <a:prstGeom prst="cloudCallout">
-            <a:avLst/>
-          </a:prstGeom>
-        </p:spPr>
-        <p:style>
-          <a:lnRef idx="2">
-            <a:schemeClr val="dk1"/>
-          </a:lnRef>
-          <a:fillRef idx="1">
-            <a:schemeClr val="lt1"/>
-          </a:fillRef>
-          <a:effectRef idx="0">
-            <a:schemeClr val="dk1"/>
-          </a:effectRef>
-          <a:fontRef idx="minor">
-            <a:schemeClr val="dk1"/>
-          </a:fontRef>
-        </p:style>
-        <p:txBody>
-          <a:bodyPr rtlCol="0" anchor="ctr">
-            <a:normAutofit/>
-          </a:bodyPr>
-          <a:lstStyle/>
-          <a:p>
-            <a:pPr algn="ctr"/>
-            <a:r>
-              <a:rPr lang="en-US" sz="1800" b="1" dirty="0" smtClean="0">
-                <a:solidFill>
-                  <a:schemeClr val="tx2"/>
-                </a:solidFill>
-              </a:rPr>
-              <a:t>Use </a:t>
-            </a:r>
-            <a:r>
-              <a:rPr lang="en-US" sz="1800" b="1" dirty="0" err="1" smtClean="0">
-                <a:solidFill>
-                  <a:schemeClr val="tx2"/>
-                </a:solidFill>
-              </a:rPr>
-              <a:t>PreparedStatement</a:t>
-            </a:r>
-            <a:r>
-              <a:rPr lang="en-US" sz="1800" b="1" dirty="0" smtClean="0">
-                <a:solidFill>
-                  <a:schemeClr val="tx2"/>
-                </a:solidFill>
-              </a:rPr>
-              <a:t> in order to avoid </a:t>
-            </a:r>
-            <a:r>
-              <a:rPr lang="en-US" sz="1800" b="1" dirty="0" err="1" smtClean="0">
-                <a:solidFill>
-                  <a:schemeClr val="tx2"/>
-                </a:solidFill>
-              </a:rPr>
-              <a:t>SQLinjection</a:t>
-            </a:r>
-            <a:endParaRPr lang="en-US" sz="1800" b="1" dirty="0">
-              <a:solidFill>
-                <a:schemeClr val="tx1">
-                  <a:lumMod val="65000"/>
-                  <a:lumOff val="35000"/>
-                </a:schemeClr>
-              </a:solidFill>
-            </a:endParaRPr>
-          </a:p>
-        </p:txBody>
-      </p:sp>
-    </p:spTree>
-    <p:extLst>
-      <p:ext uri="{BB962C8B-B14F-4D97-AF65-F5344CB8AC3E}">
-        <p14:creationId xmlns:p14="http://schemas.microsoft.com/office/powerpoint/2010/main" xmlns="" val="2857418793"/>
-      </p:ext>
-    </p:extLst>
-  </p:cSld>
-  <p:clrMapOvr>
-    <a:masterClrMapping/>
-  </p:clrMapOvr>
-  <p:transition spd="slow">
-    <p:cut/>
-  </p:transition>
-  <p:timing>
-    <p:tnLst>
-      <p:par>
-        <p:cTn id="1" dur="indefinite" restart="never" nodeType="tmRoot"/>
-      </p:par>
-    </p:tnLst>
-  </p:timing>
-</p:sld>
-</file>
-
-<file path=ppt/slides/slide54.xml><?xml version="1.0" encoding="utf-8"?>
-<p:sld xmlns:a="http://schemas.openxmlformats.org/drawingml/2006/main" xmlns:r="http://schemas.openxmlformats.org/officeDocument/2006/relationships" xmlns:p="http://schemas.openxmlformats.org/presentationml/2006/main">
-  <p:cSld>
-    <p:spTree>
-      <p:nvGrpSpPr>
-        <p:cNvPr id="1" name="Shape 187"/>
-        <p:cNvGrpSpPr/>
-        <p:nvPr/>
-      </p:nvGrpSpPr>
-      <p:grpSpPr>
-        <a:xfrm>
-          <a:off x="0" y="0"/>
-          <a:ext cx="0" cy="0"/>
-          <a:chOff x="0" y="0"/>
-          <a:chExt cx="0" cy="0"/>
-        </a:xfrm>
-      </p:grpSpPr>
-      <p:sp>
-        <p:nvSpPr>
-          <p:cNvPr id="188" name="Shape 188"/>
-          <p:cNvSpPr txBox="1">
-            <a:spLocks noGrp="1"/>
-          </p:cNvSpPr>
-          <p:nvPr>
-            <p:ph type="title"/>
-          </p:nvPr>
-        </p:nvSpPr>
-        <p:spPr>
-          <a:xfrm>
-            <a:off x="1060349" y="766826"/>
-            <a:ext cx="2484527" cy="593092"/>
-          </a:xfrm>
-          <a:prstGeom prst="rect">
-            <a:avLst/>
-          </a:prstGeom>
-        </p:spPr>
-        <p:txBody>
-          <a:bodyPr lIns="91425" tIns="91425" rIns="91425" bIns="91425" anchor="b" anchorCtr="0">
-            <a:noAutofit/>
-          </a:bodyPr>
-          <a:lstStyle/>
-          <a:p>
-            <a:pPr>
-              <a:spcBef>
-                <a:spcPts val="0"/>
-              </a:spcBef>
-              <a:buNone/>
-            </a:pPr>
-            <a:r>
-              <a:rPr lang="en" sz="2300" dirty="0" smtClean="0"/>
-              <a:t>Best Practice #2</a:t>
-            </a:r>
-            <a:endParaRPr lang="en" sz="2300" dirty="0"/>
-          </a:p>
-        </p:txBody>
-      </p:sp>
-      <p:sp>
-        <p:nvSpPr>
-          <p:cNvPr id="4" name="TextBox 3"/>
-          <p:cNvSpPr txBox="1"/>
-          <p:nvPr/>
-        </p:nvSpPr>
-        <p:spPr>
-          <a:xfrm>
-            <a:off x="3360145" y="3283027"/>
-            <a:ext cx="184731" cy="307777"/>
-          </a:xfrm>
-          <a:prstGeom prst="rect">
-            <a:avLst/>
-          </a:prstGeom>
-          <a:noFill/>
-        </p:spPr>
-        <p:txBody>
-          <a:bodyPr wrap="none" rtlCol="0">
-            <a:spAutoFit/>
-          </a:bodyPr>
-          <a:lstStyle/>
-          <a:p>
-            <a:endParaRPr lang="en-US"/>
-          </a:p>
-        </p:txBody>
-      </p:sp>
-      <p:sp>
-        <p:nvSpPr>
-          <p:cNvPr id="8" name="Content Placeholder 7"/>
-          <p:cNvSpPr>
-            <a:spLocks noGrp="1"/>
-          </p:cNvSpPr>
-          <p:nvPr>
-            <p:ph idx="1"/>
-          </p:nvPr>
-        </p:nvSpPr>
-        <p:spPr>
-          <a:xfrm>
-            <a:off x="1621794" y="2214390"/>
-            <a:ext cx="5660356" cy="3117512"/>
-          </a:xfrm>
-          <a:prstGeom prst="cloudCallout">
-            <a:avLst/>
-          </a:prstGeom>
-        </p:spPr>
-        <p:style>
-          <a:lnRef idx="2">
-            <a:schemeClr val="dk1"/>
-          </a:lnRef>
-          <a:fillRef idx="1">
-            <a:schemeClr val="lt1"/>
-          </a:fillRef>
-          <a:effectRef idx="0">
-            <a:schemeClr val="dk1"/>
-          </a:effectRef>
-          <a:fontRef idx="minor">
-            <a:schemeClr val="dk1"/>
-          </a:fontRef>
-        </p:style>
-        <p:txBody>
-          <a:bodyPr rtlCol="0" anchor="ctr">
-            <a:normAutofit/>
-          </a:bodyPr>
-          <a:lstStyle/>
-          <a:p>
-            <a:pPr algn="ctr"/>
-            <a:r>
-              <a:rPr lang="en-US" sz="1800" b="1" dirty="0" smtClean="0">
-                <a:solidFill>
-                  <a:schemeClr val="tx2"/>
-                </a:solidFill>
-              </a:rPr>
-              <a:t>Use </a:t>
-            </a:r>
-            <a:r>
-              <a:rPr lang="en-US" sz="1800" b="1" dirty="0" err="1" smtClean="0">
-                <a:solidFill>
-                  <a:schemeClr val="tx2"/>
-                </a:solidFill>
-              </a:rPr>
-              <a:t>ConnectionPool</a:t>
-            </a:r>
-            <a:endParaRPr lang="en-US" sz="1800" b="1" dirty="0">
-              <a:solidFill>
-                <a:schemeClr val="tx2"/>
-              </a:solidFill>
-            </a:endParaRPr>
-          </a:p>
-        </p:txBody>
-      </p:sp>
-    </p:spTree>
-    <p:extLst>
-      <p:ext uri="{BB962C8B-B14F-4D97-AF65-F5344CB8AC3E}">
-        <p14:creationId xmlns:p14="http://schemas.microsoft.com/office/powerpoint/2010/main" xmlns="" val="985277209"/>
-      </p:ext>
-    </p:extLst>
-  </p:cSld>
-  <p:clrMapOvr>
-    <a:masterClrMapping/>
-  </p:clrMapOvr>
-  <p:transition spd="slow">
-    <p:cut/>
-  </p:transition>
   <p:timing>
     <p:tnLst>
       <p:par>
@@ -23394,7 +23780,7 @@
             </a:pPr>
             <a:r>
               <a:rPr lang="en" sz="2300" dirty="0" smtClean="0"/>
-              <a:t>Best Practice #3</a:t>
+              <a:t>Best Practice #1</a:t>
             </a:r>
             <a:endParaRPr lang="en" sz="2300" dirty="0"/>
           </a:p>
@@ -23555,7 +23941,7 @@
             </a:pPr>
             <a:r>
               <a:rPr lang="en" sz="2300" dirty="0" smtClean="0"/>
-              <a:t>Best Practice #4</a:t>
+              <a:t>Best Practice #2</a:t>
             </a:r>
             <a:endParaRPr lang="en" sz="2300" dirty="0"/>
           </a:p>
@@ -23740,7 +24126,7 @@
             </a:pPr>
             <a:r>
               <a:rPr lang="en" sz="2300" dirty="0" smtClean="0"/>
-              <a:t>Best Practice #5</a:t>
+              <a:t>Best Practice #3</a:t>
             </a:r>
             <a:endParaRPr lang="en" sz="2300" dirty="0"/>
           </a:p>
@@ -23901,7 +24287,7 @@
             </a:pPr>
             <a:r>
               <a:rPr lang="en" sz="2300" dirty="0" smtClean="0"/>
-              <a:t>Best Practice #6</a:t>
+              <a:t>Best Practice #4</a:t>
             </a:r>
             <a:endParaRPr lang="en" sz="2300" dirty="0"/>
           </a:p>
@@ -24078,11 +24464,7 @@
             </a:pPr>
             <a:r>
               <a:rPr lang="en" sz="2300" dirty="0" smtClean="0"/>
-              <a:t>Best Practice </a:t>
-            </a:r>
-            <a:r>
-              <a:rPr lang="en" sz="2300" dirty="0" smtClean="0"/>
-              <a:t>#7</a:t>
+              <a:t>Best Practice #5</a:t>
             </a:r>
             <a:endParaRPr lang="en" sz="2300" dirty="0"/>
           </a:p>
@@ -24160,23 +24542,7 @@
                   <a:schemeClr val="tx2"/>
                 </a:solidFill>
               </a:rPr>
-              <a:t>Use standard SQL statement and avoid using </a:t>
-            </a:r>
-            <a:r>
-              <a:rPr lang="en-US" sz="1800" b="1" dirty="0" err="1" smtClean="0">
-                <a:solidFill>
-                  <a:schemeClr val="tx2"/>
-                </a:solidFill>
-              </a:rPr>
-              <a:t>db</a:t>
-            </a:r>
-            <a:r>
-              <a:rPr lang="en-US" sz="1800" b="1" dirty="0" smtClean="0">
-                <a:solidFill>
-                  <a:schemeClr val="tx2"/>
-                </a:solidFill>
-              </a:rPr>
-              <a:t> specific query until necessary</a:t>
+              <a:t>Choose suitable JDBC driver for your application</a:t>
             </a:r>
             <a:endParaRPr lang="en-US" sz="1800" b="1" dirty="0">
               <a:solidFill>
@@ -24189,7 +24555,7 @@
     </p:spTree>
     <p:extLst>
       <p:ext uri="{BB962C8B-B14F-4D97-AF65-F5344CB8AC3E}">
-        <p14:creationId xmlns:p14="http://schemas.microsoft.com/office/powerpoint/2010/main" xmlns="" val="2245692182"/>
+        <p14:creationId xmlns:p14="http://schemas.microsoft.com/office/powerpoint/2010/main" xmlns="" val="3061340900"/>
       </p:ext>
     </p:extLst>
   </p:cSld>
@@ -24483,6 +24849,187 @@
   <p:cSld>
     <p:spTree>
       <p:nvGrpSpPr>
+        <p:cNvPr id="1" name="Shape 187"/>
+        <p:cNvGrpSpPr/>
+        <p:nvPr/>
+      </p:nvGrpSpPr>
+      <p:grpSpPr>
+        <a:xfrm>
+          <a:off x="0" y="0"/>
+          <a:ext cx="0" cy="0"/>
+          <a:chOff x="0" y="0"/>
+          <a:chExt cx="0" cy="0"/>
+        </a:xfrm>
+      </p:grpSpPr>
+      <p:sp>
+        <p:nvSpPr>
+          <p:cNvPr id="188" name="Shape 188"/>
+          <p:cNvSpPr txBox="1">
+            <a:spLocks noGrp="1"/>
+          </p:cNvSpPr>
+          <p:nvPr>
+            <p:ph type="title"/>
+          </p:nvPr>
+        </p:nvSpPr>
+        <p:spPr>
+          <a:xfrm>
+            <a:off x="1060349" y="766826"/>
+            <a:ext cx="2484527" cy="593092"/>
+          </a:xfrm>
+          <a:prstGeom prst="rect">
+            <a:avLst/>
+          </a:prstGeom>
+        </p:spPr>
+        <p:txBody>
+          <a:bodyPr lIns="91425" tIns="91425" rIns="91425" bIns="91425" anchor="b" anchorCtr="0">
+            <a:noAutofit/>
+          </a:bodyPr>
+          <a:lstStyle/>
+          <a:p>
+            <a:pPr>
+              <a:spcBef>
+                <a:spcPts val="0"/>
+              </a:spcBef>
+              <a:buNone/>
+            </a:pPr>
+            <a:r>
+              <a:rPr lang="en" sz="2300" dirty="0" smtClean="0"/>
+              <a:t>Best </a:t>
+            </a:r>
+            <a:r>
+              <a:rPr lang="en" sz="2300" smtClean="0"/>
+              <a:t>Practice #6</a:t>
+            </a:r>
+            <a:endParaRPr lang="en" sz="2300" dirty="0"/>
+          </a:p>
+        </p:txBody>
+      </p:sp>
+      <p:sp>
+        <p:nvSpPr>
+          <p:cNvPr id="4" name="TextBox 3"/>
+          <p:cNvSpPr txBox="1"/>
+          <p:nvPr/>
+        </p:nvSpPr>
+        <p:spPr>
+          <a:xfrm>
+            <a:off x="3360145" y="3283027"/>
+            <a:ext cx="184731" cy="307777"/>
+          </a:xfrm>
+          <a:prstGeom prst="rect">
+            <a:avLst/>
+          </a:prstGeom>
+          <a:noFill/>
+        </p:spPr>
+        <p:txBody>
+          <a:bodyPr wrap="none" rtlCol="0">
+            <a:spAutoFit/>
+          </a:bodyPr>
+          <a:lstStyle/>
+          <a:p>
+            <a:endParaRPr lang="en-US"/>
+          </a:p>
+        </p:txBody>
+      </p:sp>
+      <p:sp>
+        <p:nvSpPr>
+          <p:cNvPr id="8" name="Content Placeholder 7"/>
+          <p:cNvSpPr>
+            <a:spLocks noGrp="1"/>
+          </p:cNvSpPr>
+          <p:nvPr>
+            <p:ph idx="1"/>
+          </p:nvPr>
+        </p:nvSpPr>
+        <p:spPr>
+          <a:xfrm>
+            <a:off x="1621794" y="2214390"/>
+            <a:ext cx="5660356" cy="3117512"/>
+          </a:xfrm>
+          <a:prstGeom prst="cloudCallout">
+            <a:avLst/>
+          </a:prstGeom>
+        </p:spPr>
+        <p:style>
+          <a:lnRef idx="2">
+            <a:schemeClr val="dk1"/>
+          </a:lnRef>
+          <a:fillRef idx="1">
+            <a:schemeClr val="lt1"/>
+          </a:fillRef>
+          <a:effectRef idx="0">
+            <a:schemeClr val="dk1"/>
+          </a:effectRef>
+          <a:fontRef idx="minor">
+            <a:schemeClr val="dk1"/>
+          </a:fontRef>
+        </p:style>
+        <p:txBody>
+          <a:bodyPr rtlCol="0" anchor="ctr">
+            <a:normAutofit/>
+          </a:bodyPr>
+          <a:lstStyle/>
+          <a:p>
+            <a:pPr algn="ctr"/>
+            <a:r>
+              <a:rPr lang="en-US" sz="1800" b="1" dirty="0" smtClean="0">
+                <a:solidFill>
+                  <a:schemeClr val="tx2"/>
+                </a:solidFill>
+              </a:rPr>
+              <a:t>Use correct </a:t>
+            </a:r>
+            <a:r>
+              <a:rPr lang="en-US" sz="1800" b="1" dirty="0" err="1" smtClean="0">
+                <a:solidFill>
+                  <a:schemeClr val="tx2"/>
+                </a:solidFill>
+              </a:rPr>
+              <a:t>getXXX</a:t>
+            </a:r>
+            <a:r>
+              <a:rPr lang="en-US" sz="1800" b="1" dirty="0" smtClean="0">
+                <a:solidFill>
+                  <a:schemeClr val="tx2"/>
+                </a:solidFill>
+              </a:rPr>
+              <a:t>() method</a:t>
+            </a:r>
+            <a:endParaRPr lang="en-US" sz="1800" b="1" dirty="0">
+              <a:solidFill>
+                <a:schemeClr val="tx2"/>
+              </a:solidFill>
+            </a:endParaRPr>
+          </a:p>
+        </p:txBody>
+      </p:sp>
+    </p:spTree>
+    <p:extLst>
+      <p:ext uri="{BB962C8B-B14F-4D97-AF65-F5344CB8AC3E}">
+        <p14:creationId xmlns:p14="http://schemas.microsoft.com/office/powerpoint/2010/main" xmlns="" val="3035471881"/>
+      </p:ext>
+    </p:extLst>
+  </p:cSld>
+  <p:clrMapOvr>
+    <a:masterClrMapping/>
+  </p:clrMapOvr>
+  <p:transition spd="slow">
+    <p:cut/>
+  </p:transition>
+  <p:timing>
+    <p:tnLst>
+      <p:par>
+        <p:cTn id="1" dur="indefinite" restart="never" nodeType="tmRoot"/>
+      </p:par>
+    </p:tnLst>
+  </p:timing>
+</p:sld>
+</file>
+
+<file path=ppt/slides/slide61.xml><?xml version="1.0" encoding="utf-8"?>
+<p:sld xmlns:a="http://schemas.openxmlformats.org/drawingml/2006/main" xmlns:r="http://schemas.openxmlformats.org/officeDocument/2006/relationships" xmlns:p="http://schemas.openxmlformats.org/presentationml/2006/main">
+  <p:cSld>
+    <p:spTree>
+      <p:nvGrpSpPr>
         <p:cNvPr id="1" name="Shape 506"/>
         <p:cNvGrpSpPr/>
         <p:nvPr/>
@@ -24552,7 +25099,7 @@
 </p:sld>
 </file>
 
-<file path=ppt/slides/slide61.xml><?xml version="1.0" encoding="utf-8"?>
+<file path=ppt/slides/slide62.xml><?xml version="1.0" encoding="utf-8"?>
 <p:sld xmlns:a="http://schemas.openxmlformats.org/drawingml/2006/main" xmlns:r="http://schemas.openxmlformats.org/officeDocument/2006/relationships" xmlns:p="http://schemas.openxmlformats.org/presentationml/2006/main">
   <p:cSld>
     <p:spTree>
